--- a/Trabajo colaborativo.pptx
+++ b/Trabajo colaborativo.pptx
@@ -122,11 +122,6 @@
 <file path=ppt/slideLayouts/slideLayout1.xml><?xml version="1.0" encoding="utf-8"?>
 <p:sldLayout xmlns:a="http://schemas.openxmlformats.org/drawingml/2006/main" xmlns:r="http://schemas.openxmlformats.org/officeDocument/2006/relationships" xmlns:p="http://schemas.openxmlformats.org/presentationml/2006/main" showMasterSp="0" type="title" preserve="1">
   <p:cSld name="Diapositiva de título">
-    <p:bg>
-      <p:bgRef idx="1002">
-        <a:schemeClr val="bg2"/>
-      </p:bgRef>
-    </p:bg>
     <p:spTree>
       <p:nvGrpSpPr>
         <p:cNvPr id="1" name=""/>
@@ -581,7 +576,7 @@
           <a:p>
             <a:fld id="{48A87A34-81AB-432B-8DAE-1953F412C126}" type="datetimeFigureOut">
               <a:rPr lang="en-US" smtClean="0"/>
-              <a:t>10/4/2019</a:t>
+              <a:t>10/5/2019</a:t>
             </a:fld>
             <a:endParaRPr lang="en-US" dirty="0"/>
           </a:p>
@@ -669,7 +664,7 @@
     </p:extLst>
   </p:cSld>
   <p:clrMapOvr>
-    <a:overrideClrMapping bg1="lt1" tx1="dk1" bg2="lt2" tx2="dk2" accent1="accent1" accent2="accent2" accent3="accent3" accent4="accent4" accent5="accent5" accent6="accent6" hlink="hlink" folHlink="folHlink"/>
+    <a:masterClrMapping/>
   </p:clrMapOvr>
 </p:sldLayout>
 </file>
@@ -783,7 +778,7 @@
           <a:p>
             <a:fld id="{48A87A34-81AB-432B-8DAE-1953F412C126}" type="datetimeFigureOut">
               <a:rPr lang="en-US" smtClean="0"/>
-              <a:t>10/4/2019</a:t>
+              <a:t>10/5/2019</a:t>
             </a:fld>
             <a:endParaRPr lang="en-US" dirty="0"/>
           </a:p>
@@ -963,7 +958,7 @@
           <a:p>
             <a:fld id="{48A87A34-81AB-432B-8DAE-1953F412C126}" type="datetimeFigureOut">
               <a:rPr lang="en-US" smtClean="0"/>
-              <a:t>10/4/2019</a:t>
+              <a:t>10/5/2019</a:t>
             </a:fld>
             <a:endParaRPr lang="en-US" dirty="0"/>
           </a:p>
@@ -1133,7 +1128,7 @@
           <a:p>
             <a:fld id="{48A87A34-81AB-432B-8DAE-1953F412C126}" type="datetimeFigureOut">
               <a:rPr lang="en-US" smtClean="0"/>
-              <a:t>10/4/2019</a:t>
+              <a:t>10/5/2019</a:t>
             </a:fld>
             <a:endParaRPr lang="en-US" dirty="0"/>
           </a:p>
@@ -1197,11 +1192,6 @@
 <file path=ppt/slideLayouts/slideLayout3.xml><?xml version="1.0" encoding="utf-8"?>
 <p:sldLayout xmlns:a="http://schemas.openxmlformats.org/drawingml/2006/main" xmlns:r="http://schemas.openxmlformats.org/officeDocument/2006/relationships" xmlns:p="http://schemas.openxmlformats.org/presentationml/2006/main" showMasterSp="0" type="secHead" preserve="1">
   <p:cSld name="Encabezado de sección">
-    <p:bg>
-      <p:bgRef idx="1002">
-        <a:schemeClr val="bg2"/>
-      </p:bgRef>
-    </p:bg>
     <p:spTree>
       <p:nvGrpSpPr>
         <p:cNvPr id="1" name=""/>
@@ -1704,7 +1694,7 @@
           <a:p>
             <a:fld id="{48A87A34-81AB-432B-8DAE-1953F412C126}" type="datetimeFigureOut">
               <a:rPr lang="en-US" smtClean="0"/>
-              <a:t>10/4/2019</a:t>
+              <a:t>10/5/2019</a:t>
             </a:fld>
             <a:endParaRPr lang="en-US" dirty="0"/>
           </a:p>
@@ -1774,7 +1764,7 @@
     </p:extLst>
   </p:cSld>
   <p:clrMapOvr>
-    <a:overrideClrMapping bg1="lt1" tx1="dk1" bg2="lt2" tx2="dk2" accent1="accent1" accent2="accent2" accent3="accent3" accent4="accent4" accent5="accent5" accent6="accent6" hlink="hlink" folHlink="folHlink"/>
+    <a:masterClrMapping/>
   </p:clrMapOvr>
 </p:sldLayout>
 </file>
@@ -2006,7 +1996,7 @@
           <a:p>
             <a:fld id="{48A87A34-81AB-432B-8DAE-1953F412C126}" type="datetimeFigureOut">
               <a:rPr lang="en-US" smtClean="0"/>
-              <a:t>10/4/2019</a:t>
+              <a:t>10/5/2019</a:t>
             </a:fld>
             <a:endParaRPr lang="en-US" dirty="0"/>
           </a:p>
@@ -2443,7 +2433,7 @@
           <a:p>
             <a:fld id="{48A87A34-81AB-432B-8DAE-1953F412C126}" type="datetimeFigureOut">
               <a:rPr lang="en-US" smtClean="0"/>
-              <a:t>10/4/2019</a:t>
+              <a:t>10/5/2019</a:t>
             </a:fld>
             <a:endParaRPr lang="en-US" dirty="0"/>
           </a:p>
@@ -2561,7 +2551,7 @@
           <a:p>
             <a:fld id="{48A87A34-81AB-432B-8DAE-1953F412C126}" type="datetimeFigureOut">
               <a:rPr lang="en-US" smtClean="0"/>
-              <a:t>10/4/2019</a:t>
+              <a:t>10/5/2019</a:t>
             </a:fld>
             <a:endParaRPr lang="en-US" dirty="0"/>
           </a:p>
@@ -2656,7 +2646,7 @@
           <a:p>
             <a:fld id="{48A87A34-81AB-432B-8DAE-1953F412C126}" type="datetimeFigureOut">
               <a:rPr lang="en-US" smtClean="0"/>
-              <a:t>10/4/2019</a:t>
+              <a:t>10/5/2019</a:t>
             </a:fld>
             <a:endParaRPr lang="en-US" dirty="0"/>
           </a:p>
@@ -3038,7 +3028,7 @@
           <a:p>
             <a:fld id="{48A87A34-81AB-432B-8DAE-1953F412C126}" type="datetimeFigureOut">
               <a:rPr lang="en-US" smtClean="0"/>
-              <a:t>10/4/2019</a:t>
+              <a:t>10/5/2019</a:t>
             </a:fld>
             <a:endParaRPr lang="en-US" dirty="0"/>
           </a:p>
@@ -3432,7 +3422,7 @@
           <a:p>
             <a:fld id="{48A87A34-81AB-432B-8DAE-1953F412C126}" type="datetimeFigureOut">
               <a:rPr lang="en-US" smtClean="0"/>
-              <a:t>10/4/2019</a:t>
+              <a:t>10/5/2019</a:t>
             </a:fld>
             <a:endParaRPr lang="en-US" dirty="0"/>
           </a:p>
@@ -3567,12 +3557,9 @@
 <p:sldMaster xmlns:a="http://schemas.openxmlformats.org/drawingml/2006/main" xmlns:r="http://schemas.openxmlformats.org/officeDocument/2006/relationships" xmlns:p="http://schemas.openxmlformats.org/presentationml/2006/main">
   <p:cSld>
     <p:bg>
-      <p:bgPr>
-        <a:solidFill>
-          <a:schemeClr val="bg1"/>
-        </a:solidFill>
-        <a:effectLst/>
-      </p:bgPr>
+      <p:bgRef idx="1003">
+        <a:schemeClr val="bg2"/>
+      </p:bgRef>
     </p:bg>
     <p:spTree>
       <p:nvGrpSpPr>
@@ -3746,7 +3733,7 @@
             <a:fld id="{48A87A34-81AB-432B-8DAE-1953F412C126}" type="datetimeFigureOut">
               <a:rPr lang="en-US" smtClean="0"/>
               <a:pPr/>
-              <a:t>10/4/2019</a:t>
+              <a:t>10/5/2019</a:t>
             </a:fld>
             <a:endParaRPr lang="en-US" dirty="0"/>
           </a:p>
@@ -3840,7 +3827,7 @@
       </p:ext>
     </p:extLst>
   </p:cSld>
-  <p:clrMap bg1="lt1" tx1="dk1" bg2="lt2" tx2="dk2" accent1="accent1" accent2="accent2" accent3="accent3" accent4="accent4" accent5="accent5" accent6="accent6" hlink="hlink" folHlink="folHlink"/>
+  <p:clrMap bg1="dk1" tx1="lt1" bg2="dk2" tx2="lt2" accent1="accent1" accent2="accent2" accent3="accent3" accent4="accent4" accent5="accent5" accent6="accent6" hlink="hlink" folHlink="folHlink"/>
   <p:sldLayoutIdLst>
     <p:sldLayoutId id="2147483796" r:id="rId1"/>
     <p:sldLayoutId id="2147483797" r:id="rId2"/>
@@ -4251,25 +4238,29 @@
         <p:spPr/>
         <p:txBody>
           <a:bodyPr>
-            <a:normAutofit fontScale="62500" lnSpcReduction="20000"/>
+            <a:normAutofit fontScale="70000" lnSpcReduction="20000"/>
           </a:bodyPr>
           <a:lstStyle/>
           <a:p>
-            <a:r>
-              <a:rPr lang="es-SV" dirty="0" smtClean="0"/>
+            <a:pPr algn="r"/>
+            <a:r>
+              <a:rPr lang="es-SV" sz="1400" dirty="0" smtClean="0"/>
               <a:t>Diplomado de TICS en Entornos Educativos</a:t>
             </a:r>
           </a:p>
           <a:p>
-            <a:endParaRPr lang="es-SV" dirty="0"/>
-          </a:p>
-          <a:p>
-            <a:r>
-              <a:rPr lang="es-SV" dirty="0" smtClean="0"/>
+            <a:pPr algn="r"/>
+            <a:endParaRPr lang="es-SV" sz="1400" dirty="0"/>
+          </a:p>
+          <a:p>
+            <a:pPr algn="r"/>
+            <a:r>
+              <a:rPr lang="es-SV" sz="1400" dirty="0" smtClean="0"/>
               <a:t>PRESENTADO POR: INGRID JANETH ULLOA DE POSADA                 2/10/19</a:t>
             </a:r>
           </a:p>
           <a:p>
+            <a:pPr algn="r"/>
             <a:endParaRPr lang="es-SV" dirty="0"/>
           </a:p>
         </p:txBody>
@@ -4512,85 +4503,55 @@
       </p:sp>
       <p:sp>
         <p:nvSpPr>
-          <p:cNvPr id="7" name="Marcador de texto 6"/>
-          <p:cNvSpPr>
-            <a:spLocks noGrp="1"/>
-          </p:cNvSpPr>
-          <p:nvPr>
-            <p:ph type="body" idx="1"/>
-          </p:nvPr>
-        </p:nvSpPr>
-        <p:spPr/>
-        <p:txBody>
-          <a:bodyPr/>
+          <p:cNvPr id="8" name="Marcador de contenido 7"/>
+          <p:cNvSpPr>
+            <a:spLocks noGrp="1"/>
+          </p:cNvSpPr>
+          <p:nvPr>
+            <p:ph sz="half" idx="2"/>
+          </p:nvPr>
+        </p:nvSpPr>
+        <p:spPr>
+          <a:xfrm>
+            <a:off x="1066800" y="2100122"/>
+            <a:ext cx="4754880" cy="4203865"/>
+          </a:xfrm>
+        </p:spPr>
+        <p:txBody>
+          <a:bodyPr>
+            <a:noAutofit/>
+          </a:bodyPr>
           <a:lstStyle/>
           <a:p>
-            <a:endParaRPr lang="es-SV"/>
-          </a:p>
-        </p:txBody>
-      </p:sp>
-      <p:sp>
-        <p:nvSpPr>
-          <p:cNvPr id="8" name="Marcador de contenido 7"/>
-          <p:cNvSpPr>
-            <a:spLocks noGrp="1"/>
-          </p:cNvSpPr>
-          <p:nvPr>
-            <p:ph sz="half" idx="2"/>
-          </p:nvPr>
-        </p:nvSpPr>
-        <p:spPr/>
-        <p:txBody>
-          <a:bodyPr/>
-          <a:lstStyle/>
-          <a:p>
-            <a:r>
-              <a:rPr lang="es-SV" dirty="0"/>
+            <a:pPr algn="just"/>
+            <a:r>
+              <a:rPr lang="es-SV" sz="2000" dirty="0"/>
               <a:t>El </a:t>
             </a:r>
             <a:r>
-              <a:rPr lang="es-SV" b="1" dirty="0"/>
+              <a:rPr lang="es-SV" sz="2000" b="1" dirty="0"/>
               <a:t>trabajo colaborativo se define como una metodología de enseñanza y de realización de la actividad laboral basada en la creencia que el </a:t>
             </a:r>
             <a:r>
-              <a:rPr lang="es-SV" b="1" dirty="0" smtClean="0"/>
+              <a:rPr lang="es-SV" sz="2000" b="1" dirty="0" smtClean="0"/>
               <a:t>aprendizaje</a:t>
             </a:r>
             <a:r>
-              <a:rPr lang="es-SV" dirty="0" smtClean="0"/>
+              <a:rPr lang="es-SV" sz="2000" dirty="0" smtClean="0"/>
               <a:t>.  </a:t>
             </a:r>
             <a:r>
-              <a:rPr lang="es-SV" dirty="0"/>
+              <a:rPr lang="es-SV" sz="2000" dirty="0"/>
               <a:t>L</a:t>
             </a:r>
             <a:r>
-              <a:rPr lang="es-SV" dirty="0" smtClean="0"/>
+              <a:rPr lang="es-SV" sz="2000" dirty="0" smtClean="0"/>
               <a:t>a </a:t>
             </a:r>
             <a:r>
-              <a:rPr lang="es-SV" dirty="0"/>
+              <a:rPr lang="es-SV" sz="2000" dirty="0"/>
               <a:t>actividad laboral se incrementa cuando se desarrollan destrezas cooperativas para aprender y solucionar los problemas y acciones educativas y laborales en las cuales nos vemos inmersos.</a:t>
             </a:r>
-          </a:p>
-        </p:txBody>
-      </p:sp>
-      <p:sp>
-        <p:nvSpPr>
-          <p:cNvPr id="9" name="Marcador de texto 8"/>
-          <p:cNvSpPr>
-            <a:spLocks noGrp="1"/>
-          </p:cNvSpPr>
-          <p:nvPr>
-            <p:ph type="body" sz="quarter" idx="3"/>
-          </p:nvPr>
-        </p:nvSpPr>
-        <p:spPr/>
-        <p:txBody>
-          <a:bodyPr/>
-          <a:lstStyle/>
-          <a:p>
-            <a:endParaRPr lang="es-SV"/>
           </a:p>
         </p:txBody>
       </p:sp>
@@ -4618,9 +4579,18 @@
         </p:blipFill>
         <p:spPr>
           <a:xfrm>
-            <a:off x="6373368" y="1899996"/>
-            <a:ext cx="4461615" cy="4461615"/>
-          </a:xfrm>
+            <a:off x="6580458" y="2100123"/>
+            <a:ext cx="4461615" cy="3849416"/>
+          </a:xfrm>
+          <a:prstGeom prst="rect">
+            <a:avLst/>
+          </a:prstGeom>
+          <a:ln>
+            <a:noFill/>
+          </a:ln>
+          <a:effectLst>
+            <a:softEdge rad="112500"/>
+          </a:effectLst>
         </p:spPr>
       </p:pic>
     </p:spTree>
@@ -4701,25 +4671,6 @@
           </a:p>
         </p:txBody>
       </p:sp>
-      <p:sp>
-        <p:nvSpPr>
-          <p:cNvPr id="3" name="Marcador de texto 2"/>
-          <p:cNvSpPr>
-            <a:spLocks noGrp="1"/>
-          </p:cNvSpPr>
-          <p:nvPr>
-            <p:ph type="body" idx="1"/>
-          </p:nvPr>
-        </p:nvSpPr>
-        <p:spPr/>
-        <p:txBody>
-          <a:bodyPr/>
-          <a:lstStyle/>
-          <a:p>
-            <a:endParaRPr lang="es-SV"/>
-          </a:p>
-        </p:txBody>
-      </p:sp>
       <p:pic>
         <p:nvPicPr>
           <p:cNvPr id="7" name="Marcador de contenido 6"/>
@@ -4744,9 +4695,18 @@
         </p:blipFill>
         <p:spPr>
           <a:xfrm>
-            <a:off x="1066800" y="2170079"/>
+            <a:off x="1066800" y="2229455"/>
             <a:ext cx="4885509" cy="3534592"/>
           </a:xfrm>
+          <a:prstGeom prst="rect">
+            <a:avLst/>
+          </a:prstGeom>
+          <a:ln>
+            <a:noFill/>
+          </a:ln>
+          <a:effectLst>
+            <a:softEdge rad="112500"/>
+          </a:effectLst>
         </p:spPr>
       </p:pic>
       <p:sp>
@@ -4965,10 +4925,26 @@
           <a:lstStyle/>
           <a:p>
             <a:r>
-              <a:rPr lang="es-SV" dirty="0" smtClean="0"/>
+              <a:rPr lang="es-SV" b="1" dirty="0" smtClean="0">
+                <a:effectLst>
+                  <a:outerShdw blurRad="38100" dist="38100" dir="2700000" algn="tl">
+                    <a:srgbClr val="000000">
+                      <a:alpha val="43137"/>
+                    </a:srgbClr>
+                  </a:outerShdw>
+                </a:effectLst>
+              </a:rPr>
               <a:t>Son 5 elementos los que conforman el trabajo colaborativo:</a:t>
             </a:r>
-            <a:endParaRPr lang="es-SV" dirty="0"/>
+            <a:endParaRPr lang="es-SV" b="1" dirty="0">
+              <a:effectLst>
+                <a:outerShdw blurRad="38100" dist="38100" dir="2700000" algn="tl">
+                  <a:srgbClr val="000000">
+                    <a:alpha val="43137"/>
+                  </a:srgbClr>
+                </a:outerShdw>
+              </a:effectLst>
+            </a:endParaRPr>
           </a:p>
         </p:txBody>
       </p:sp>
@@ -4999,6 +4975,15 @@
             <a:off x="6373813" y="2791849"/>
             <a:ext cx="4754562" cy="3128501"/>
           </a:xfrm>
+          <a:prstGeom prst="rect">
+            <a:avLst/>
+          </a:prstGeom>
+          <a:ln>
+            <a:noFill/>
+          </a:ln>
+          <a:effectLst>
+            <a:softEdge rad="112500"/>
+          </a:effectLst>
         </p:spPr>
       </p:pic>
     </p:spTree>
@@ -5060,7 +5045,12 @@
             <p:ph type="title"/>
           </p:nvPr>
         </p:nvSpPr>
-        <p:spPr/>
+        <p:spPr>
+          <a:xfrm>
+            <a:off x="1069848" y="274320"/>
+            <a:ext cx="10058400" cy="1371600"/>
+          </a:xfrm>
+        </p:spPr>
         <p:txBody>
           <a:bodyPr>
             <a:normAutofit/>
@@ -5087,19 +5077,43 @@
         </p:nvSpPr>
         <p:spPr>
           <a:xfrm>
-            <a:off x="1069848" y="1645920"/>
+            <a:off x="1063752" y="1541417"/>
             <a:ext cx="4754880" cy="705394"/>
           </a:xfrm>
-        </p:spPr>
-        <p:txBody>
-          <a:bodyPr/>
+          <a:solidFill>
+            <a:schemeClr val="accent2">
+              <a:lumMod val="40000"/>
+              <a:lumOff val="60000"/>
+            </a:schemeClr>
+          </a:solidFill>
+        </p:spPr>
+        <p:txBody>
+          <a:bodyPr>
+            <a:normAutofit/>
+          </a:bodyPr>
           <a:lstStyle/>
           <a:p>
             <a:r>
-              <a:rPr lang="es-SV" dirty="0" smtClean="0"/>
+              <a:rPr lang="es-SV" sz="2800" b="1" dirty="0" smtClean="0">
+                <a:effectLst>
+                  <a:outerShdw blurRad="38100" dist="38100" dir="2700000" algn="tl">
+                    <a:srgbClr val="000000">
+                      <a:alpha val="43137"/>
+                    </a:srgbClr>
+                  </a:outerShdw>
+                </a:effectLst>
+              </a:rPr>
               <a:t>PROS</a:t>
             </a:r>
-            <a:endParaRPr lang="es-SV" dirty="0"/>
+            <a:endParaRPr lang="es-SV" sz="2800" b="1" dirty="0">
+              <a:effectLst>
+                <a:outerShdw blurRad="38100" dist="38100" dir="2700000" algn="tl">
+                  <a:srgbClr val="000000">
+                    <a:alpha val="43137"/>
+                  </a:srgbClr>
+                </a:outerShdw>
+              </a:effectLst>
+            </a:endParaRPr>
           </a:p>
         </p:txBody>
       </p:sp>
@@ -5131,38 +5145,64 @@
               <a:t>Mejora la </a:t>
             </a:r>
             <a:r>
-              <a:rPr lang="es-SV" b="1" u="sng" dirty="0">
-                <a:solidFill>
-                  <a:srgbClr val="FFC000"/>
-                </a:solidFill>
-                <a:hlinkClick r:id="rId2"/>
-              </a:rPr>
+              <a:rPr lang="es-SV" dirty="0"/>
               <a:t>gestión del tiempo</a:t>
             </a:r>
             <a:r>
               <a:rPr lang="es-SV" dirty="0"/>
-              <a:t> al permitir optimizar las horas de trabajo.</a:t>
+              <a:t> </a:t>
+            </a:r>
+            <a:r>
+              <a:rPr lang="es-SV" dirty="0"/>
+              <a:t>al permitir </a:t>
+            </a:r>
+            <a:r>
+              <a:rPr lang="es-SV" dirty="0"/>
+              <a:t>optimizar las horas de trabajo.</a:t>
             </a:r>
           </a:p>
           <a:p>
             <a:pPr fontAlgn="base"/>
             <a:r>
               <a:rPr lang="es-SV" dirty="0"/>
-              <a:t>Reduce los </a:t>
-            </a:r>
-            <a:r>
-              <a:rPr lang="es-SV" b="1" dirty="0"/>
-              <a:t>errores </a:t>
-            </a:r>
+              <a:t>Reduce los errores al mejorar la comunicación con todo el equipo.</a:t>
+            </a:r>
+          </a:p>
+          <a:p>
+            <a:pPr fontAlgn="base"/>
             <a:r>
               <a:rPr lang="es-SV" dirty="0"/>
-              <a:t>al mejorar la </a:t>
-            </a:r>
-            <a:r>
-              <a:rPr lang="es-SV" b="1" dirty="0">
-                <a:hlinkClick r:id="rId3"/>
-              </a:rPr>
-              <a:t>comunicación con todo el equipo</a:t>
+              <a:t>Minimiza los conflictos entre los miembros del equipo.</a:t>
+            </a:r>
+          </a:p>
+          <a:p>
+            <a:pPr fontAlgn="base"/>
+            <a:r>
+              <a:rPr lang="es-SV" dirty="0"/>
+              <a:t>La resolución de problemas se vuelve mucho más rápida al </a:t>
+            </a:r>
+            <a:r>
+              <a:rPr lang="es-SV" dirty="0"/>
+              <a:t>combinarse</a:t>
+            </a:r>
+          </a:p>
+          <a:p>
+            <a:pPr fontAlgn="base"/>
+            <a:r>
+              <a:rPr lang="es-SV" dirty="0"/>
+              <a:t>El estrés se reduce al saber que hay otras personas que podrán </a:t>
+            </a:r>
+            <a:r>
+              <a:rPr lang="es-SV" dirty="0"/>
+              <a:t>ayudar si </a:t>
+            </a:r>
+            <a:r>
+              <a:rPr lang="es-SV" dirty="0" smtClean="0"/>
+              <a:t>surgen </a:t>
+            </a:r>
+            <a:r>
+              <a:rPr lang="es-SV" dirty="0"/>
+              <a:t>problemas</a:t>
             </a:r>
             <a:r>
               <a:rPr lang="es-SV" dirty="0"/>
@@ -5172,87 +5212,8 @@
           <a:p>
             <a:pPr fontAlgn="base"/>
             <a:r>
-              <a:rPr lang="es-SV" b="1" u="sng" dirty="0"/>
-              <a:t>Minimiza los conflictos</a:t>
-            </a:r>
-            <a:r>
               <a:rPr lang="es-SV" dirty="0"/>
-              <a:t> entre los miembros del equipo.</a:t>
-            </a:r>
-          </a:p>
-          <a:p>
-            <a:pPr fontAlgn="base"/>
-            <a:r>
-              <a:rPr lang="es-SV" dirty="0"/>
-              <a:t>La </a:t>
-            </a:r>
-            <a:r>
-              <a:rPr lang="es-SV" b="1" u="sng" dirty="0"/>
-              <a:t>resolución de problemas</a:t>
-            </a:r>
-            <a:r>
-              <a:rPr lang="es-SV" dirty="0"/>
-              <a:t> se vuelve mucho más rápida al </a:t>
-            </a:r>
-            <a:r>
-              <a:rPr lang="es-SV" dirty="0" smtClean="0"/>
-              <a:t>combinarse</a:t>
-            </a:r>
-          </a:p>
-          <a:p>
-            <a:pPr fontAlgn="base"/>
-            <a:r>
-              <a:rPr lang="es-SV" dirty="0"/>
-              <a:t>El </a:t>
-            </a:r>
-            <a:r>
-              <a:rPr lang="es-SV" b="1" u="sng" dirty="0">
-                <a:hlinkClick r:id="rId4"/>
-              </a:rPr>
-              <a:t>estrés</a:t>
-            </a:r>
-            <a:r>
-              <a:rPr lang="es-SV" dirty="0"/>
-              <a:t> se reduce al saber que hay otras personas que podrán </a:t>
-            </a:r>
-            <a:r>
-              <a:rPr lang="es-SV" dirty="0" smtClean="0"/>
-              <a:t>ayudar si </a:t>
-            </a:r>
-            <a:r>
-              <a:rPr lang="es-SV" dirty="0" err="1" smtClean="0"/>
-              <a:t>surjen</a:t>
-            </a:r>
-            <a:r>
-              <a:rPr lang="es-SV" dirty="0" smtClean="0"/>
-              <a:t> </a:t>
-            </a:r>
-            <a:r>
-              <a:rPr lang="es-SV" dirty="0"/>
-              <a:t>problemas</a:t>
-            </a:r>
-            <a:r>
-              <a:rPr lang="es-SV" dirty="0" smtClean="0"/>
-              <a:t>.</a:t>
-            </a:r>
-          </a:p>
-          <a:p>
-            <a:pPr fontAlgn="base"/>
-            <a:r>
-              <a:rPr lang="es-SV" dirty="0"/>
-              <a:t>rea un </a:t>
-            </a:r>
-            <a:r>
-              <a:rPr lang="es-SV" b="1" u="sng" dirty="0"/>
-              <a:t>ambiente de trabajo</a:t>
-            </a:r>
-            <a:r>
-              <a:rPr lang="es-SV" u="sng" dirty="0"/>
-              <a:t> </a:t>
-            </a:r>
-            <a:r>
-              <a:rPr lang="es-SV" dirty="0"/>
-              <a:t>mucho más confortable y motivador.</a:t>
+              <a:t>rea un ambiente de trabajo mucho más confortable y motivador.</a:t>
             </a:r>
           </a:p>
           <a:p>
@@ -5275,19 +5236,46 @@
         </p:nvSpPr>
         <p:spPr>
           <a:xfrm>
-            <a:off x="6373368" y="1645920"/>
+            <a:off x="6373368" y="1541417"/>
             <a:ext cx="4754880" cy="600891"/>
           </a:xfrm>
-        </p:spPr>
-        <p:txBody>
-          <a:bodyPr/>
+          <a:solidFill>
+            <a:schemeClr val="accent2">
+              <a:lumMod val="40000"/>
+              <a:lumOff val="60000"/>
+            </a:schemeClr>
+          </a:solidFill>
+        </p:spPr>
+        <p:txBody>
+          <a:bodyPr>
+            <a:normAutofit/>
+          </a:bodyPr>
           <a:lstStyle/>
           <a:p>
             <a:r>
-              <a:rPr lang="es-SV" dirty="0" smtClean="0"/>
-              <a:t>CONTRAS</a:t>
-            </a:r>
-            <a:endParaRPr lang="es-SV" dirty="0"/>
+              <a:rPr lang="es-SV" sz="2800" b="1" dirty="0">
+                <a:effectLst>
+                  <a:outerShdw blurRad="38100" dist="38100" dir="2700000" algn="tl">
+                    <a:srgbClr val="000000">
+                      <a:alpha val="43137"/>
+                    </a:srgbClr>
+                  </a:outerShdw>
+                </a:effectLst>
+              </a:rPr>
+              <a:t>CO</a:t>
+            </a:r>
+            <a:r>
+              <a:rPr lang="es-SV" sz="2800" b="1" dirty="0">
+                <a:effectLst>
+                  <a:outerShdw blurRad="38100" dist="38100" dir="2700000" algn="tl">
+                    <a:srgbClr val="000000">
+                      <a:alpha val="43137"/>
+                    </a:srgbClr>
+                  </a:outerShdw>
+                </a:effectLst>
+              </a:rPr>
+              <a:t>NTRAS</a:t>
+            </a:r>
           </a:p>
         </p:txBody>
       </p:sp>
@@ -5308,56 +5296,38 @@
           </a:xfrm>
         </p:spPr>
         <p:txBody>
-          <a:bodyPr/>
+          <a:bodyPr>
+            <a:normAutofit/>
+          </a:bodyPr>
           <a:lstStyle/>
           <a:p>
             <a:r>
-              <a:rPr lang="es-SV" dirty="0" smtClean="0"/>
+              <a:rPr lang="es-SV" dirty="0"/>
               <a:t>Para </a:t>
             </a:r>
             <a:r>
               <a:rPr lang="es-SV" dirty="0"/>
-              <a:t>las empresas con una cultura empresarial poco colaborativa, puede suponer unos </a:t>
-            </a:r>
-            <a:r>
-              <a:rPr lang="es-SV" b="1" dirty="0"/>
-              <a:t>tiempos y recursos importantes de implementación</a:t>
-            </a:r>
-            <a:r>
-              <a:rPr lang="es-SV" dirty="0" smtClean="0"/>
+              <a:t>las empresas con una cultura empresarial poco colaborativa, puede suponer unos tiempos y recursos importantes de implementación</a:t>
+            </a:r>
+            <a:r>
+              <a:rPr lang="es-SV" dirty="0"/>
               <a:t>.</a:t>
             </a:r>
           </a:p>
           <a:p>
             <a:r>
               <a:rPr lang="es-SV" dirty="0"/>
-              <a:t>Siempre hay </a:t>
-            </a:r>
-            <a:r>
-              <a:rPr lang="es-SV" b="1" dirty="0"/>
-              <a:t>personas que prefieren o que se encuentran más a gusto trabajando solas</a:t>
+              <a:t>Siempre hay personas que prefieren o que se encuentran más a gusto trabajando solas que en equipo</a:t>
             </a:r>
             <a:r>
               <a:rPr lang="es-SV" dirty="0"/>
-              <a:t> que en equipo</a:t>
-            </a:r>
-            <a:r>
-              <a:rPr lang="es-SV" dirty="0" smtClean="0"/>
               <a:t>,</a:t>
             </a:r>
           </a:p>
           <a:p>
             <a:r>
               <a:rPr lang="es-SV" dirty="0"/>
-              <a:t>Es importante tener en cuenta que </a:t>
-            </a:r>
-            <a:r>
-              <a:rPr lang="es-SV" b="1" dirty="0"/>
-              <a:t>cada persona tiene su ritmo y su velocidad de trabajo</a:t>
-            </a:r>
-            <a:r>
-              <a:rPr lang="es-SV" dirty="0"/>
-              <a:t>, por lo que a veces unos trabajadores frenarán a otros.</a:t>
+              <a:t>Es importante tener en cuenta que cada persona tiene su ritmo y su velocidad de trabajo, por lo que a veces unos trabajadores frenarán a otros.</a:t>
             </a:r>
           </a:p>
         </p:txBody>
@@ -5449,13 +5419,13 @@
         </p:nvSpPr>
         <p:spPr>
           <a:xfrm>
-            <a:off x="1069848" y="2014194"/>
-            <a:ext cx="4754880" cy="3942103"/>
+            <a:off x="1069848" y="1852551"/>
+            <a:ext cx="4754880" cy="4417619"/>
           </a:xfrm>
         </p:spPr>
         <p:txBody>
           <a:bodyPr>
-            <a:normAutofit lnSpcReduction="10000"/>
+            <a:noAutofit/>
           </a:bodyPr>
           <a:lstStyle/>
           <a:p>
@@ -5477,15 +5447,7 @@
             </a:r>
             <a:r>
               <a:rPr lang="es-SV" dirty="0"/>
-              <a:t>. De hecho, gigantes como </a:t>
-            </a:r>
-            <a:r>
-              <a:rPr lang="es-SV" dirty="0" err="1"/>
-              <a:t>Yahoo</a:t>
-            </a:r>
-            <a:r>
-              <a:rPr lang="es-SV" dirty="0"/>
-              <a:t> o Google ya le sacan provecho a esta práctica. Sin embargo, no hace falta ser una gran empresa tecnológica para aprovechar los beneficios de la</a:t>
+              <a:t>. De hecho, gigantes como Yahoo o Google ya le sacan provecho a esta práctica. Sin embargo, no hace falta ser una gran empresa tecnológica para aprovechar los beneficios de la</a:t>
             </a:r>
             <a:r>
               <a:rPr lang="es-SV" b="1" dirty="0"/>
@@ -5523,8 +5485,8 @@
         </p:nvSpPr>
         <p:spPr>
           <a:xfrm>
-            <a:off x="6373368" y="2014194"/>
-            <a:ext cx="4754880" cy="3942787"/>
+            <a:off x="6373368" y="1852552"/>
+            <a:ext cx="4754880" cy="4104429"/>
           </a:xfrm>
         </p:spPr>
         <p:txBody>
@@ -5632,16 +5594,17 @@
         </p:nvSpPr>
         <p:spPr>
           <a:xfrm>
-            <a:off x="9296400" y="607392"/>
-            <a:ext cx="2430780" cy="4082174"/>
-          </a:xfrm>
-        </p:spPr>
-        <p:txBody>
-          <a:bodyPr>
+            <a:off x="9237023" y="1959429"/>
+            <a:ext cx="2430780" cy="2731324"/>
+          </a:xfrm>
+        </p:spPr>
+        <p:txBody>
+          <a:bodyPr anchor="ctr">
             <a:normAutofit/>
           </a:bodyPr>
           <a:lstStyle/>
           <a:p>
+            <a:pPr algn="ctr"/>
             <a:r>
               <a:rPr lang="es-SV" sz="2000" dirty="0" smtClean="0"/>
               <a:t>EL TRABAJO COLABORATIVO AYUDA AL CRECIMIENTO PERSONAL Y LABORAL</a:t>
